--- a/figures/final/dyna_schematic.pptx
+++ b/figures/final/dyna_schematic.pptx
@@ -7,14 +7,14 @@
   <p:sldIdLst>
     <p:sldId id="256" r:id="rId2"/>
   </p:sldIdLst>
-  <p:sldSz cx="2743200" cy="1408113"/>
+  <p:sldSz cx="2743200" cy="1116013"/>
   <p:notesSz cx="6858000" cy="9144000"/>
   <p:defaultTextStyle>
     <a:defPPr>
       <a:defRPr lang="en-US"/>
     </a:defPPr>
-    <a:lvl1pPr marL="0" algn="l" defTabSz="119146" rtl="0" eaLnBrk="1" latinLnBrk="0" hangingPunct="1">
-      <a:defRPr sz="500" kern="1200">
+    <a:lvl1pPr marL="0" algn="l" defTabSz="109957" rtl="0" eaLnBrk="1" latinLnBrk="0" hangingPunct="1">
+      <a:defRPr sz="400" kern="1200">
         <a:solidFill>
           <a:schemeClr val="tx1"/>
         </a:solidFill>
@@ -23,8 +23,8 @@
         <a:cs typeface="+mn-cs"/>
       </a:defRPr>
     </a:lvl1pPr>
-    <a:lvl2pPr marL="119146" algn="l" defTabSz="119146" rtl="0" eaLnBrk="1" latinLnBrk="0" hangingPunct="1">
-      <a:defRPr sz="500" kern="1200">
+    <a:lvl2pPr marL="109957" algn="l" defTabSz="109957" rtl="0" eaLnBrk="1" latinLnBrk="0" hangingPunct="1">
+      <a:defRPr sz="400" kern="1200">
         <a:solidFill>
           <a:schemeClr val="tx1"/>
         </a:solidFill>
@@ -33,8 +33,8 @@
         <a:cs typeface="+mn-cs"/>
       </a:defRPr>
     </a:lvl2pPr>
-    <a:lvl3pPr marL="238293" algn="l" defTabSz="119146" rtl="0" eaLnBrk="1" latinLnBrk="0" hangingPunct="1">
-      <a:defRPr sz="500" kern="1200">
+    <a:lvl3pPr marL="219913" algn="l" defTabSz="109957" rtl="0" eaLnBrk="1" latinLnBrk="0" hangingPunct="1">
+      <a:defRPr sz="400" kern="1200">
         <a:solidFill>
           <a:schemeClr val="tx1"/>
         </a:solidFill>
@@ -43,8 +43,8 @@
         <a:cs typeface="+mn-cs"/>
       </a:defRPr>
     </a:lvl3pPr>
-    <a:lvl4pPr marL="357439" algn="l" defTabSz="119146" rtl="0" eaLnBrk="1" latinLnBrk="0" hangingPunct="1">
-      <a:defRPr sz="500" kern="1200">
+    <a:lvl4pPr marL="329870" algn="l" defTabSz="109957" rtl="0" eaLnBrk="1" latinLnBrk="0" hangingPunct="1">
+      <a:defRPr sz="400" kern="1200">
         <a:solidFill>
           <a:schemeClr val="tx1"/>
         </a:solidFill>
@@ -53,8 +53,8 @@
         <a:cs typeface="+mn-cs"/>
       </a:defRPr>
     </a:lvl4pPr>
-    <a:lvl5pPr marL="476585" algn="l" defTabSz="119146" rtl="0" eaLnBrk="1" latinLnBrk="0" hangingPunct="1">
-      <a:defRPr sz="500" kern="1200">
+    <a:lvl5pPr marL="439826" algn="l" defTabSz="109957" rtl="0" eaLnBrk="1" latinLnBrk="0" hangingPunct="1">
+      <a:defRPr sz="400" kern="1200">
         <a:solidFill>
           <a:schemeClr val="tx1"/>
         </a:solidFill>
@@ -63,8 +63,8 @@
         <a:cs typeface="+mn-cs"/>
       </a:defRPr>
     </a:lvl5pPr>
-    <a:lvl6pPr marL="595732" algn="l" defTabSz="119146" rtl="0" eaLnBrk="1" latinLnBrk="0" hangingPunct="1">
-      <a:defRPr sz="500" kern="1200">
+    <a:lvl6pPr marL="549783" algn="l" defTabSz="109957" rtl="0" eaLnBrk="1" latinLnBrk="0" hangingPunct="1">
+      <a:defRPr sz="400" kern="1200">
         <a:solidFill>
           <a:schemeClr val="tx1"/>
         </a:solidFill>
@@ -73,8 +73,8 @@
         <a:cs typeface="+mn-cs"/>
       </a:defRPr>
     </a:lvl6pPr>
-    <a:lvl7pPr marL="714878" algn="l" defTabSz="119146" rtl="0" eaLnBrk="1" latinLnBrk="0" hangingPunct="1">
-      <a:defRPr sz="500" kern="1200">
+    <a:lvl7pPr marL="659740" algn="l" defTabSz="109957" rtl="0" eaLnBrk="1" latinLnBrk="0" hangingPunct="1">
+      <a:defRPr sz="400" kern="1200">
         <a:solidFill>
           <a:schemeClr val="tx1"/>
         </a:solidFill>
@@ -83,8 +83,8 @@
         <a:cs typeface="+mn-cs"/>
       </a:defRPr>
     </a:lvl7pPr>
-    <a:lvl8pPr marL="834024" algn="l" defTabSz="119146" rtl="0" eaLnBrk="1" latinLnBrk="0" hangingPunct="1">
-      <a:defRPr sz="500" kern="1200">
+    <a:lvl8pPr marL="769696" algn="l" defTabSz="109957" rtl="0" eaLnBrk="1" latinLnBrk="0" hangingPunct="1">
+      <a:defRPr sz="400" kern="1200">
         <a:solidFill>
           <a:schemeClr val="tx1"/>
         </a:solidFill>
@@ -93,8 +93,8 @@
         <a:cs typeface="+mn-cs"/>
       </a:defRPr>
     </a:lvl8pPr>
-    <a:lvl9pPr marL="953171" algn="l" defTabSz="119146" rtl="0" eaLnBrk="1" latinLnBrk="0" hangingPunct="1">
-      <a:defRPr sz="500" kern="1200">
+    <a:lvl9pPr marL="879653" algn="l" defTabSz="109957" rtl="0" eaLnBrk="1" latinLnBrk="0" hangingPunct="1">
+      <a:defRPr sz="400" kern="1200">
         <a:solidFill>
           <a:schemeClr val="tx1"/>
         </a:solidFill>
@@ -136,8 +136,8 @@
         </p:nvSpPr>
         <p:spPr>
           <a:xfrm>
-            <a:off x="205741" y="437428"/>
-            <a:ext cx="2331721" cy="301832"/>
+            <a:off x="205740" y="346687"/>
+            <a:ext cx="2331720" cy="239220"/>
           </a:xfrm>
         </p:spPr>
         <p:txBody>
@@ -164,8 +164,8 @@
         </p:nvSpPr>
         <p:spPr>
           <a:xfrm>
-            <a:off x="411481" y="797931"/>
-            <a:ext cx="1920240" cy="359851"/>
+            <a:off x="411480" y="632408"/>
+            <a:ext cx="1920240" cy="285203"/>
           </a:xfrm>
         </p:spPr>
         <p:txBody>
@@ -181,7 +181,7 @@
                 </a:solidFill>
               </a:defRPr>
             </a:lvl1pPr>
-            <a:lvl2pPr marL="119146" indent="0" algn="ctr">
+            <a:lvl2pPr marL="109957" indent="0" algn="ctr">
               <a:buNone/>
               <a:defRPr>
                 <a:solidFill>
@@ -191,7 +191,7 @@
                 </a:solidFill>
               </a:defRPr>
             </a:lvl2pPr>
-            <a:lvl3pPr marL="238293" indent="0" algn="ctr">
+            <a:lvl3pPr marL="219913" indent="0" algn="ctr">
               <a:buNone/>
               <a:defRPr>
                 <a:solidFill>
@@ -201,7 +201,7 @@
                 </a:solidFill>
               </a:defRPr>
             </a:lvl3pPr>
-            <a:lvl4pPr marL="357439" indent="0" algn="ctr">
+            <a:lvl4pPr marL="329870" indent="0" algn="ctr">
               <a:buNone/>
               <a:defRPr>
                 <a:solidFill>
@@ -211,7 +211,7 @@
                 </a:solidFill>
               </a:defRPr>
             </a:lvl4pPr>
-            <a:lvl5pPr marL="476585" indent="0" algn="ctr">
+            <a:lvl5pPr marL="439826" indent="0" algn="ctr">
               <a:buNone/>
               <a:defRPr>
                 <a:solidFill>
@@ -221,7 +221,7 @@
                 </a:solidFill>
               </a:defRPr>
             </a:lvl5pPr>
-            <a:lvl6pPr marL="595732" indent="0" algn="ctr">
+            <a:lvl6pPr marL="549783" indent="0" algn="ctr">
               <a:buNone/>
               <a:defRPr>
                 <a:solidFill>
@@ -231,7 +231,7 @@
                 </a:solidFill>
               </a:defRPr>
             </a:lvl6pPr>
-            <a:lvl7pPr marL="714878" indent="0" algn="ctr">
+            <a:lvl7pPr marL="659740" indent="0" algn="ctr">
               <a:buNone/>
               <a:defRPr>
                 <a:solidFill>
@@ -241,7 +241,7 @@
                 </a:solidFill>
               </a:defRPr>
             </a:lvl7pPr>
-            <a:lvl8pPr marL="834024" indent="0" algn="ctr">
+            <a:lvl8pPr marL="769696" indent="0" algn="ctr">
               <a:buNone/>
               <a:defRPr>
                 <a:solidFill>
@@ -251,7 +251,7 @@
                 </a:solidFill>
               </a:defRPr>
             </a:lvl8pPr>
-            <a:lvl9pPr marL="953171" indent="0" algn="ctr">
+            <a:lvl9pPr marL="879653" indent="0" algn="ctr">
               <a:buNone/>
               <a:defRPr>
                 <a:solidFill>
@@ -286,9 +286,9 @@
           <a:bodyPr/>
           <a:lstStyle/>
           <a:p>
-            <a:fld id="{3B382080-722C-EB46-A727-4E811C713391}" type="datetimeFigureOut">
-              <a:rPr lang="en-US" smtClean="0"/>
-              <a:t>9/8/16</a:t>
+            <a:fld id="{8259F38B-9DD5-8140-BCB2-E6B250643AA0}" type="datetimeFigureOut">
+              <a:rPr lang="en-US" smtClean="0"/>
+              <a:t>9/12/16</a:t>
             </a:fld>
             <a:endParaRPr lang="en-US"/>
           </a:p>
@@ -328,7 +328,7 @@
           <a:bodyPr/>
           <a:lstStyle/>
           <a:p>
-            <a:fld id="{FD03CC02-5FC7-1C4F-9B03-072087BF09B3}" type="slidenum">
+            <a:fld id="{F4C6EDDD-C175-9546-8EDA-743763FBD633}" type="slidenum">
               <a:rPr lang="en-US" smtClean="0"/>
               <a:t>‹#›</a:t>
             </a:fld>
@@ -339,7 +339,7 @@
     </p:spTree>
     <p:extLst>
       <p:ext uri="{BB962C8B-B14F-4D97-AF65-F5344CB8AC3E}">
-        <p14:creationId xmlns:p14="http://schemas.microsoft.com/office/powerpoint/2010/main" val="1958766606"/>
+        <p14:creationId xmlns:p14="http://schemas.microsoft.com/office/powerpoint/2010/main" val="2139048155"/>
       </p:ext>
     </p:extLst>
   </p:cSld>
@@ -456,9 +456,9 @@
           <a:bodyPr/>
           <a:lstStyle/>
           <a:p>
-            <a:fld id="{3B382080-722C-EB46-A727-4E811C713391}" type="datetimeFigureOut">
-              <a:rPr lang="en-US" smtClean="0"/>
-              <a:t>9/8/16</a:t>
+            <a:fld id="{8259F38B-9DD5-8140-BCB2-E6B250643AA0}" type="datetimeFigureOut">
+              <a:rPr lang="en-US" smtClean="0"/>
+              <a:t>9/12/16</a:t>
             </a:fld>
             <a:endParaRPr lang="en-US"/>
           </a:p>
@@ -498,7 +498,7 @@
           <a:bodyPr/>
           <a:lstStyle/>
           <a:p>
-            <a:fld id="{FD03CC02-5FC7-1C4F-9B03-072087BF09B3}" type="slidenum">
+            <a:fld id="{F4C6EDDD-C175-9546-8EDA-743763FBD633}" type="slidenum">
               <a:rPr lang="en-US" smtClean="0"/>
               <a:t>‹#›</a:t>
             </a:fld>
@@ -509,7 +509,7 @@
     </p:spTree>
     <p:extLst>
       <p:ext uri="{BB962C8B-B14F-4D97-AF65-F5344CB8AC3E}">
-        <p14:creationId xmlns:p14="http://schemas.microsoft.com/office/powerpoint/2010/main" val="2776250067"/>
+        <p14:creationId xmlns:p14="http://schemas.microsoft.com/office/powerpoint/2010/main" val="4221145054"/>
       </p:ext>
     </p:extLst>
   </p:cSld>
@@ -548,8 +548,8 @@
         </p:nvSpPr>
         <p:spPr>
           <a:xfrm>
-            <a:off x="310515" y="22491"/>
-            <a:ext cx="96203" cy="480780"/>
+            <a:off x="596743" y="7234"/>
+            <a:ext cx="185261" cy="153710"/>
           </a:xfrm>
         </p:spPr>
         <p:txBody>
@@ -576,8 +576,8 @@
         </p:nvSpPr>
         <p:spPr>
           <a:xfrm>
-            <a:off x="21434" y="22491"/>
-            <a:ext cx="243363" cy="480780"/>
+            <a:off x="40958" y="7234"/>
+            <a:ext cx="510064" cy="153710"/>
           </a:xfrm>
         </p:spPr>
         <p:txBody>
@@ -636,9 +636,9 @@
           <a:bodyPr/>
           <a:lstStyle/>
           <a:p>
-            <a:fld id="{3B382080-722C-EB46-A727-4E811C713391}" type="datetimeFigureOut">
-              <a:rPr lang="en-US" smtClean="0"/>
-              <a:t>9/8/16</a:t>
+            <a:fld id="{8259F38B-9DD5-8140-BCB2-E6B250643AA0}" type="datetimeFigureOut">
+              <a:rPr lang="en-US" smtClean="0"/>
+              <a:t>9/12/16</a:t>
             </a:fld>
             <a:endParaRPr lang="en-US"/>
           </a:p>
@@ -678,7 +678,7 @@
           <a:bodyPr/>
           <a:lstStyle/>
           <a:p>
-            <a:fld id="{FD03CC02-5FC7-1C4F-9B03-072087BF09B3}" type="slidenum">
+            <a:fld id="{F4C6EDDD-C175-9546-8EDA-743763FBD633}" type="slidenum">
               <a:rPr lang="en-US" smtClean="0"/>
               <a:t>‹#›</a:t>
             </a:fld>
@@ -689,7 +689,7 @@
     </p:spTree>
     <p:extLst>
       <p:ext uri="{BB962C8B-B14F-4D97-AF65-F5344CB8AC3E}">
-        <p14:creationId xmlns:p14="http://schemas.microsoft.com/office/powerpoint/2010/main" val="3714077763"/>
+        <p14:creationId xmlns:p14="http://schemas.microsoft.com/office/powerpoint/2010/main" val="154442254"/>
       </p:ext>
     </p:extLst>
   </p:cSld>
@@ -806,9 +806,9 @@
           <a:bodyPr/>
           <a:lstStyle/>
           <a:p>
-            <a:fld id="{3B382080-722C-EB46-A727-4E811C713391}" type="datetimeFigureOut">
-              <a:rPr lang="en-US" smtClean="0"/>
-              <a:t>9/8/16</a:t>
+            <a:fld id="{8259F38B-9DD5-8140-BCB2-E6B250643AA0}" type="datetimeFigureOut">
+              <a:rPr lang="en-US" smtClean="0"/>
+              <a:t>9/12/16</a:t>
             </a:fld>
             <a:endParaRPr lang="en-US"/>
           </a:p>
@@ -848,7 +848,7 @@
           <a:bodyPr/>
           <a:lstStyle/>
           <a:p>
-            <a:fld id="{FD03CC02-5FC7-1C4F-9B03-072087BF09B3}" type="slidenum">
+            <a:fld id="{F4C6EDDD-C175-9546-8EDA-743763FBD633}" type="slidenum">
               <a:rPr lang="en-US" smtClean="0"/>
               <a:t>‹#›</a:t>
             </a:fld>
@@ -859,7 +859,7 @@
     </p:spTree>
     <p:extLst>
       <p:ext uri="{BB962C8B-B14F-4D97-AF65-F5344CB8AC3E}">
-        <p14:creationId xmlns:p14="http://schemas.microsoft.com/office/powerpoint/2010/main" val="2231311092"/>
+        <p14:creationId xmlns:p14="http://schemas.microsoft.com/office/powerpoint/2010/main" val="243506242"/>
       </p:ext>
     </p:extLst>
   </p:cSld>
@@ -898,8 +898,8 @@
         </p:nvSpPr>
         <p:spPr>
           <a:xfrm>
-            <a:off x="216696" y="904844"/>
-            <a:ext cx="2331721" cy="279666"/>
+            <a:off x="216694" y="717142"/>
+            <a:ext cx="2331720" cy="221653"/>
           </a:xfrm>
         </p:spPr>
         <p:txBody>
@@ -930,8 +930,8 @@
         </p:nvSpPr>
         <p:spPr>
           <a:xfrm>
-            <a:off x="216696" y="596819"/>
-            <a:ext cx="2331721" cy="308025"/>
+            <a:off x="216694" y="473014"/>
+            <a:ext cx="2331720" cy="244128"/>
           </a:xfrm>
         </p:spPr>
         <p:txBody>
@@ -947,9 +947,9 @@
                 </a:solidFill>
               </a:defRPr>
             </a:lvl1pPr>
-            <a:lvl2pPr marL="119146" indent="0">
-              <a:buNone/>
-              <a:defRPr sz="500">
+            <a:lvl2pPr marL="109957" indent="0">
+              <a:buNone/>
+              <a:defRPr sz="400">
                 <a:solidFill>
                   <a:schemeClr val="tx1">
                     <a:tint val="75000"/>
@@ -957,7 +957,7 @@
                 </a:solidFill>
               </a:defRPr>
             </a:lvl2pPr>
-            <a:lvl3pPr marL="238293" indent="0">
+            <a:lvl3pPr marL="219913" indent="0">
               <a:buNone/>
               <a:defRPr sz="400">
                 <a:solidFill>
@@ -967,9 +967,9 @@
                 </a:solidFill>
               </a:defRPr>
             </a:lvl3pPr>
-            <a:lvl4pPr marL="357439" indent="0">
-              <a:buNone/>
-              <a:defRPr sz="400">
+            <a:lvl4pPr marL="329870" indent="0">
+              <a:buNone/>
+              <a:defRPr sz="300">
                 <a:solidFill>
                   <a:schemeClr val="tx1">
                     <a:tint val="75000"/>
@@ -977,9 +977,9 @@
                 </a:solidFill>
               </a:defRPr>
             </a:lvl4pPr>
-            <a:lvl5pPr marL="476585" indent="0">
-              <a:buNone/>
-              <a:defRPr sz="400">
+            <a:lvl5pPr marL="439826" indent="0">
+              <a:buNone/>
+              <a:defRPr sz="300">
                 <a:solidFill>
                   <a:schemeClr val="tx1">
                     <a:tint val="75000"/>
@@ -987,9 +987,9 @@
                 </a:solidFill>
               </a:defRPr>
             </a:lvl5pPr>
-            <a:lvl6pPr marL="595732" indent="0">
-              <a:buNone/>
-              <a:defRPr sz="400">
+            <a:lvl6pPr marL="549783" indent="0">
+              <a:buNone/>
+              <a:defRPr sz="300">
                 <a:solidFill>
                   <a:schemeClr val="tx1">
                     <a:tint val="75000"/>
@@ -997,9 +997,9 @@
                 </a:solidFill>
               </a:defRPr>
             </a:lvl6pPr>
-            <a:lvl7pPr marL="714878" indent="0">
-              <a:buNone/>
-              <a:defRPr sz="400">
+            <a:lvl7pPr marL="659740" indent="0">
+              <a:buNone/>
+              <a:defRPr sz="300">
                 <a:solidFill>
                   <a:schemeClr val="tx1">
                     <a:tint val="75000"/>
@@ -1007,9 +1007,9 @@
                 </a:solidFill>
               </a:defRPr>
             </a:lvl7pPr>
-            <a:lvl8pPr marL="834024" indent="0">
-              <a:buNone/>
-              <a:defRPr sz="400">
+            <a:lvl8pPr marL="769696" indent="0">
+              <a:buNone/>
+              <a:defRPr sz="300">
                 <a:solidFill>
                   <a:schemeClr val="tx1">
                     <a:tint val="75000"/>
@@ -1017,9 +1017,9 @@
                 </a:solidFill>
               </a:defRPr>
             </a:lvl8pPr>
-            <a:lvl9pPr marL="953171" indent="0">
-              <a:buNone/>
-              <a:defRPr sz="400">
+            <a:lvl9pPr marL="879653" indent="0">
+              <a:buNone/>
+              <a:defRPr sz="300">
                 <a:solidFill>
                   <a:schemeClr val="tx1">
                     <a:tint val="75000"/>
@@ -1052,9 +1052,9 @@
           <a:bodyPr/>
           <a:lstStyle/>
           <a:p>
-            <a:fld id="{3B382080-722C-EB46-A727-4E811C713391}" type="datetimeFigureOut">
-              <a:rPr lang="en-US" smtClean="0"/>
-              <a:t>9/8/16</a:t>
+            <a:fld id="{8259F38B-9DD5-8140-BCB2-E6B250643AA0}" type="datetimeFigureOut">
+              <a:rPr lang="en-US" smtClean="0"/>
+              <a:t>9/12/16</a:t>
             </a:fld>
             <a:endParaRPr lang="en-US"/>
           </a:p>
@@ -1094,7 +1094,7 @@
           <a:bodyPr/>
           <a:lstStyle/>
           <a:p>
-            <a:fld id="{FD03CC02-5FC7-1C4F-9B03-072087BF09B3}" type="slidenum">
+            <a:fld id="{F4C6EDDD-C175-9546-8EDA-743763FBD633}" type="slidenum">
               <a:rPr lang="en-US" smtClean="0"/>
               <a:t>‹#›</a:t>
             </a:fld>
@@ -1105,7 +1105,7 @@
     </p:spTree>
     <p:extLst>
       <p:ext uri="{BB962C8B-B14F-4D97-AF65-F5344CB8AC3E}">
-        <p14:creationId xmlns:p14="http://schemas.microsoft.com/office/powerpoint/2010/main" val="4172471801"/>
+        <p14:creationId xmlns:p14="http://schemas.microsoft.com/office/powerpoint/2010/main" val="3873101340"/>
       </p:ext>
     </p:extLst>
   </p:cSld>
@@ -1167,8 +1167,8 @@
         </p:nvSpPr>
         <p:spPr>
           <a:xfrm>
-            <a:off x="21433" y="131359"/>
-            <a:ext cx="169546" cy="371912"/>
+            <a:off x="40958" y="42110"/>
+            <a:ext cx="347663" cy="118834"/>
           </a:xfrm>
         </p:spPr>
         <p:txBody>
@@ -1184,22 +1184,22 @@
               <a:defRPr sz="500"/>
             </a:lvl3pPr>
             <a:lvl4pPr>
-              <a:defRPr sz="500"/>
+              <a:defRPr sz="400"/>
             </a:lvl4pPr>
             <a:lvl5pPr>
-              <a:defRPr sz="500"/>
+              <a:defRPr sz="400"/>
             </a:lvl5pPr>
             <a:lvl6pPr>
-              <a:defRPr sz="500"/>
+              <a:defRPr sz="400"/>
             </a:lvl6pPr>
             <a:lvl7pPr>
-              <a:defRPr sz="500"/>
+              <a:defRPr sz="400"/>
             </a:lvl7pPr>
             <a:lvl8pPr>
-              <a:defRPr sz="500"/>
+              <a:defRPr sz="400"/>
             </a:lvl8pPr>
             <a:lvl9pPr>
-              <a:defRPr sz="500"/>
+              <a:defRPr sz="400"/>
             </a:lvl9pPr>
           </a:lstStyle>
           <a:p>
@@ -1252,8 +1252,8 @@
         </p:nvSpPr>
         <p:spPr>
           <a:xfrm>
-            <a:off x="236698" y="131359"/>
-            <a:ext cx="170021" cy="371912"/>
+            <a:off x="434341" y="42110"/>
+            <a:ext cx="347663" cy="118834"/>
           </a:xfrm>
         </p:spPr>
         <p:txBody>
@@ -1269,22 +1269,22 @@
               <a:defRPr sz="500"/>
             </a:lvl3pPr>
             <a:lvl4pPr>
-              <a:defRPr sz="500"/>
+              <a:defRPr sz="400"/>
             </a:lvl4pPr>
             <a:lvl5pPr>
-              <a:defRPr sz="500"/>
+              <a:defRPr sz="400"/>
             </a:lvl5pPr>
             <a:lvl6pPr>
-              <a:defRPr sz="500"/>
+              <a:defRPr sz="400"/>
             </a:lvl6pPr>
             <a:lvl7pPr>
-              <a:defRPr sz="500"/>
+              <a:defRPr sz="400"/>
             </a:lvl7pPr>
             <a:lvl8pPr>
-              <a:defRPr sz="500"/>
+              <a:defRPr sz="400"/>
             </a:lvl8pPr>
             <a:lvl9pPr>
-              <a:defRPr sz="500"/>
+              <a:defRPr sz="400"/>
             </a:lvl9pPr>
           </a:lstStyle>
           <a:p>
@@ -1340,9 +1340,9 @@
           <a:bodyPr/>
           <a:lstStyle/>
           <a:p>
-            <a:fld id="{3B382080-722C-EB46-A727-4E811C713391}" type="datetimeFigureOut">
-              <a:rPr lang="en-US" smtClean="0"/>
-              <a:t>9/8/16</a:t>
+            <a:fld id="{8259F38B-9DD5-8140-BCB2-E6B250643AA0}" type="datetimeFigureOut">
+              <a:rPr lang="en-US" smtClean="0"/>
+              <a:t>9/12/16</a:t>
             </a:fld>
             <a:endParaRPr lang="en-US"/>
           </a:p>
@@ -1382,7 +1382,7 @@
           <a:bodyPr/>
           <a:lstStyle/>
           <a:p>
-            <a:fld id="{FD03CC02-5FC7-1C4F-9B03-072087BF09B3}" type="slidenum">
+            <a:fld id="{F4C6EDDD-C175-9546-8EDA-743763FBD633}" type="slidenum">
               <a:rPr lang="en-US" smtClean="0"/>
               <a:t>‹#›</a:t>
             </a:fld>
@@ -1393,7 +1393,7 @@
     </p:spTree>
     <p:extLst>
       <p:ext uri="{BB962C8B-B14F-4D97-AF65-F5344CB8AC3E}">
-        <p14:creationId xmlns:p14="http://schemas.microsoft.com/office/powerpoint/2010/main" val="3813725544"/>
+        <p14:creationId xmlns:p14="http://schemas.microsoft.com/office/powerpoint/2010/main" val="1306226150"/>
       </p:ext>
     </p:extLst>
   </p:cSld>
@@ -1432,8 +1432,8 @@
         </p:nvSpPr>
         <p:spPr>
           <a:xfrm>
-            <a:off x="137161" y="56390"/>
-            <a:ext cx="2468881" cy="234686"/>
+            <a:off x="137160" y="44693"/>
+            <a:ext cx="2468880" cy="186003"/>
           </a:xfrm>
         </p:spPr>
         <p:txBody>
@@ -1464,8 +1464,8 @@
         </p:nvSpPr>
         <p:spPr>
           <a:xfrm>
-            <a:off x="137160" y="315196"/>
-            <a:ext cx="1212056" cy="131359"/>
+            <a:off x="137160" y="249811"/>
+            <a:ext cx="1212056" cy="104110"/>
           </a:xfrm>
         </p:spPr>
         <p:txBody>
@@ -1475,35 +1475,35 @@
               <a:buNone/>
               <a:defRPr sz="600" b="1"/>
             </a:lvl1pPr>
-            <a:lvl2pPr marL="119146" indent="0">
+            <a:lvl2pPr marL="109957" indent="0">
               <a:buNone/>
               <a:defRPr sz="500" b="1"/>
             </a:lvl2pPr>
-            <a:lvl3pPr marL="238293" indent="0">
-              <a:buNone/>
-              <a:defRPr sz="500" b="1"/>
+            <a:lvl3pPr marL="219913" indent="0">
+              <a:buNone/>
+              <a:defRPr sz="400" b="1"/>
             </a:lvl3pPr>
-            <a:lvl4pPr marL="357439" indent="0">
+            <a:lvl4pPr marL="329870" indent="0">
               <a:buNone/>
               <a:defRPr sz="400" b="1"/>
             </a:lvl4pPr>
-            <a:lvl5pPr marL="476585" indent="0">
+            <a:lvl5pPr marL="439826" indent="0">
               <a:buNone/>
               <a:defRPr sz="400" b="1"/>
             </a:lvl5pPr>
-            <a:lvl6pPr marL="595732" indent="0">
+            <a:lvl6pPr marL="549783" indent="0">
               <a:buNone/>
               <a:defRPr sz="400" b="1"/>
             </a:lvl6pPr>
-            <a:lvl7pPr marL="714878" indent="0">
+            <a:lvl7pPr marL="659740" indent="0">
               <a:buNone/>
               <a:defRPr sz="400" b="1"/>
             </a:lvl7pPr>
-            <a:lvl8pPr marL="834024" indent="0">
+            <a:lvl8pPr marL="769696" indent="0">
               <a:buNone/>
               <a:defRPr sz="400" b="1"/>
             </a:lvl8pPr>
-            <a:lvl9pPr marL="953171" indent="0">
+            <a:lvl9pPr marL="879653" indent="0">
               <a:buNone/>
               <a:defRPr sz="400" b="1"/>
             </a:lvl9pPr>
@@ -1529,8 +1529,8 @@
         </p:nvSpPr>
         <p:spPr>
           <a:xfrm>
-            <a:off x="137160" y="446555"/>
-            <a:ext cx="1212056" cy="811295"/>
+            <a:off x="137160" y="353921"/>
+            <a:ext cx="1212056" cy="642999"/>
           </a:xfrm>
         </p:spPr>
         <p:txBody>
@@ -1543,7 +1543,7 @@
               <a:defRPr sz="500"/>
             </a:lvl2pPr>
             <a:lvl3pPr>
-              <a:defRPr sz="500"/>
+              <a:defRPr sz="400"/>
             </a:lvl3pPr>
             <a:lvl4pPr>
               <a:defRPr sz="400"/>
@@ -1614,8 +1614,8 @@
         </p:nvSpPr>
         <p:spPr>
           <a:xfrm>
-            <a:off x="1393507" y="315196"/>
-            <a:ext cx="1212533" cy="131359"/>
+            <a:off x="1393507" y="249811"/>
+            <a:ext cx="1212533" cy="104110"/>
           </a:xfrm>
         </p:spPr>
         <p:txBody>
@@ -1625,35 +1625,35 @@
               <a:buNone/>
               <a:defRPr sz="600" b="1"/>
             </a:lvl1pPr>
-            <a:lvl2pPr marL="119146" indent="0">
+            <a:lvl2pPr marL="109957" indent="0">
               <a:buNone/>
               <a:defRPr sz="500" b="1"/>
             </a:lvl2pPr>
-            <a:lvl3pPr marL="238293" indent="0">
-              <a:buNone/>
-              <a:defRPr sz="500" b="1"/>
+            <a:lvl3pPr marL="219913" indent="0">
+              <a:buNone/>
+              <a:defRPr sz="400" b="1"/>
             </a:lvl3pPr>
-            <a:lvl4pPr marL="357439" indent="0">
+            <a:lvl4pPr marL="329870" indent="0">
               <a:buNone/>
               <a:defRPr sz="400" b="1"/>
             </a:lvl4pPr>
-            <a:lvl5pPr marL="476585" indent="0">
+            <a:lvl5pPr marL="439826" indent="0">
               <a:buNone/>
               <a:defRPr sz="400" b="1"/>
             </a:lvl5pPr>
-            <a:lvl6pPr marL="595732" indent="0">
+            <a:lvl6pPr marL="549783" indent="0">
               <a:buNone/>
               <a:defRPr sz="400" b="1"/>
             </a:lvl6pPr>
-            <a:lvl7pPr marL="714878" indent="0">
+            <a:lvl7pPr marL="659740" indent="0">
               <a:buNone/>
               <a:defRPr sz="400" b="1"/>
             </a:lvl7pPr>
-            <a:lvl8pPr marL="834024" indent="0">
+            <a:lvl8pPr marL="769696" indent="0">
               <a:buNone/>
               <a:defRPr sz="400" b="1"/>
             </a:lvl8pPr>
-            <a:lvl9pPr marL="953171" indent="0">
+            <a:lvl9pPr marL="879653" indent="0">
               <a:buNone/>
               <a:defRPr sz="400" b="1"/>
             </a:lvl9pPr>
@@ -1679,8 +1679,8 @@
         </p:nvSpPr>
         <p:spPr>
           <a:xfrm>
-            <a:off x="1393507" y="446555"/>
-            <a:ext cx="1212533" cy="811295"/>
+            <a:off x="1393507" y="353921"/>
+            <a:ext cx="1212533" cy="642999"/>
           </a:xfrm>
         </p:spPr>
         <p:txBody>
@@ -1693,7 +1693,7 @@
               <a:defRPr sz="500"/>
             </a:lvl2pPr>
             <a:lvl3pPr>
-              <a:defRPr sz="500"/>
+              <a:defRPr sz="400"/>
             </a:lvl3pPr>
             <a:lvl4pPr>
               <a:defRPr sz="400"/>
@@ -1767,9 +1767,9 @@
           <a:bodyPr/>
           <a:lstStyle/>
           <a:p>
-            <a:fld id="{3B382080-722C-EB46-A727-4E811C713391}" type="datetimeFigureOut">
-              <a:rPr lang="en-US" smtClean="0"/>
-              <a:t>9/8/16</a:t>
+            <a:fld id="{8259F38B-9DD5-8140-BCB2-E6B250643AA0}" type="datetimeFigureOut">
+              <a:rPr lang="en-US" smtClean="0"/>
+              <a:t>9/12/16</a:t>
             </a:fld>
             <a:endParaRPr lang="en-US"/>
           </a:p>
@@ -1809,7 +1809,7 @@
           <a:bodyPr/>
           <a:lstStyle/>
           <a:p>
-            <a:fld id="{FD03CC02-5FC7-1C4F-9B03-072087BF09B3}" type="slidenum">
+            <a:fld id="{F4C6EDDD-C175-9546-8EDA-743763FBD633}" type="slidenum">
               <a:rPr lang="en-US" smtClean="0"/>
               <a:t>‹#›</a:t>
             </a:fld>
@@ -1820,7 +1820,7 @@
     </p:spTree>
     <p:extLst>
       <p:ext uri="{BB962C8B-B14F-4D97-AF65-F5344CB8AC3E}">
-        <p14:creationId xmlns:p14="http://schemas.microsoft.com/office/powerpoint/2010/main" val="3770031177"/>
+        <p14:creationId xmlns:p14="http://schemas.microsoft.com/office/powerpoint/2010/main" val="3200416140"/>
       </p:ext>
     </p:extLst>
   </p:cSld>
@@ -1885,9 +1885,9 @@
           <a:bodyPr/>
           <a:lstStyle/>
           <a:p>
-            <a:fld id="{3B382080-722C-EB46-A727-4E811C713391}" type="datetimeFigureOut">
-              <a:rPr lang="en-US" smtClean="0"/>
-              <a:t>9/8/16</a:t>
+            <a:fld id="{8259F38B-9DD5-8140-BCB2-E6B250643AA0}" type="datetimeFigureOut">
+              <a:rPr lang="en-US" smtClean="0"/>
+              <a:t>9/12/16</a:t>
             </a:fld>
             <a:endParaRPr lang="en-US"/>
           </a:p>
@@ -1927,7 +1927,7 @@
           <a:bodyPr/>
           <a:lstStyle/>
           <a:p>
-            <a:fld id="{FD03CC02-5FC7-1C4F-9B03-072087BF09B3}" type="slidenum">
+            <a:fld id="{F4C6EDDD-C175-9546-8EDA-743763FBD633}" type="slidenum">
               <a:rPr lang="en-US" smtClean="0"/>
               <a:t>‹#›</a:t>
             </a:fld>
@@ -1938,7 +1938,7 @@
     </p:spTree>
     <p:extLst>
       <p:ext uri="{BB962C8B-B14F-4D97-AF65-F5344CB8AC3E}">
-        <p14:creationId xmlns:p14="http://schemas.microsoft.com/office/powerpoint/2010/main" val="3921083989"/>
+        <p14:creationId xmlns:p14="http://schemas.microsoft.com/office/powerpoint/2010/main" val="3844677106"/>
       </p:ext>
     </p:extLst>
   </p:cSld>
@@ -1980,9 +1980,9 @@
           <a:bodyPr/>
           <a:lstStyle/>
           <a:p>
-            <a:fld id="{3B382080-722C-EB46-A727-4E811C713391}" type="datetimeFigureOut">
-              <a:rPr lang="en-US" smtClean="0"/>
-              <a:t>9/8/16</a:t>
+            <a:fld id="{8259F38B-9DD5-8140-BCB2-E6B250643AA0}" type="datetimeFigureOut">
+              <a:rPr lang="en-US" smtClean="0"/>
+              <a:t>9/12/16</a:t>
             </a:fld>
             <a:endParaRPr lang="en-US"/>
           </a:p>
@@ -2022,7 +2022,7 @@
           <a:bodyPr/>
           <a:lstStyle/>
           <a:p>
-            <a:fld id="{FD03CC02-5FC7-1C4F-9B03-072087BF09B3}" type="slidenum">
+            <a:fld id="{F4C6EDDD-C175-9546-8EDA-743763FBD633}" type="slidenum">
               <a:rPr lang="en-US" smtClean="0"/>
               <a:t>‹#›</a:t>
             </a:fld>
@@ -2033,7 +2033,7 @@
     </p:spTree>
     <p:extLst>
       <p:ext uri="{BB962C8B-B14F-4D97-AF65-F5344CB8AC3E}">
-        <p14:creationId xmlns:p14="http://schemas.microsoft.com/office/powerpoint/2010/main" val="3668447398"/>
+        <p14:creationId xmlns:p14="http://schemas.microsoft.com/office/powerpoint/2010/main" val="1565960032"/>
       </p:ext>
     </p:extLst>
   </p:cSld>
@@ -2072,8 +2072,8 @@
         </p:nvSpPr>
         <p:spPr>
           <a:xfrm>
-            <a:off x="137161" y="56064"/>
-            <a:ext cx="902494" cy="238597"/>
+            <a:off x="137160" y="44434"/>
+            <a:ext cx="902494" cy="189102"/>
           </a:xfrm>
         </p:spPr>
         <p:txBody>
@@ -2104,8 +2104,8 @@
         </p:nvSpPr>
         <p:spPr>
           <a:xfrm>
-            <a:off x="1072516" y="56064"/>
-            <a:ext cx="1533525" cy="1201785"/>
+            <a:off x="1072516" y="44435"/>
+            <a:ext cx="1533525" cy="952486"/>
           </a:xfrm>
         </p:spPr>
         <p:txBody>
@@ -2189,8 +2189,8 @@
         </p:nvSpPr>
         <p:spPr>
           <a:xfrm>
-            <a:off x="137161" y="294661"/>
-            <a:ext cx="902494" cy="963188"/>
+            <a:off x="137160" y="233537"/>
+            <a:ext cx="902494" cy="763384"/>
           </a:xfrm>
         </p:spPr>
         <p:txBody>
@@ -2198,37 +2198,37 @@
           <a:lstStyle>
             <a:lvl1pPr marL="0" indent="0">
               <a:buNone/>
-              <a:defRPr sz="400"/>
+              <a:defRPr sz="300"/>
             </a:lvl1pPr>
-            <a:lvl2pPr marL="119146" indent="0">
+            <a:lvl2pPr marL="109957" indent="0">
               <a:buNone/>
               <a:defRPr sz="300"/>
             </a:lvl2pPr>
-            <a:lvl3pPr marL="238293" indent="0">
-              <a:buNone/>
-              <a:defRPr sz="300"/>
+            <a:lvl3pPr marL="219913" indent="0">
+              <a:buNone/>
+              <a:defRPr sz="200"/>
             </a:lvl3pPr>
-            <a:lvl4pPr marL="357439" indent="0">
+            <a:lvl4pPr marL="329870" indent="0">
               <a:buNone/>
               <a:defRPr sz="200"/>
             </a:lvl4pPr>
-            <a:lvl5pPr marL="476585" indent="0">
+            <a:lvl5pPr marL="439826" indent="0">
               <a:buNone/>
               <a:defRPr sz="200"/>
             </a:lvl5pPr>
-            <a:lvl6pPr marL="595732" indent="0">
+            <a:lvl6pPr marL="549783" indent="0">
               <a:buNone/>
               <a:defRPr sz="200"/>
             </a:lvl6pPr>
-            <a:lvl7pPr marL="714878" indent="0">
+            <a:lvl7pPr marL="659740" indent="0">
               <a:buNone/>
               <a:defRPr sz="200"/>
             </a:lvl7pPr>
-            <a:lvl8pPr marL="834024" indent="0">
+            <a:lvl8pPr marL="769696" indent="0">
               <a:buNone/>
               <a:defRPr sz="200"/>
             </a:lvl8pPr>
-            <a:lvl9pPr marL="953171" indent="0">
+            <a:lvl9pPr marL="879653" indent="0">
               <a:buNone/>
               <a:defRPr sz="200"/>
             </a:lvl9pPr>
@@ -2257,9 +2257,9 @@
           <a:bodyPr/>
           <a:lstStyle/>
           <a:p>
-            <a:fld id="{3B382080-722C-EB46-A727-4E811C713391}" type="datetimeFigureOut">
-              <a:rPr lang="en-US" smtClean="0"/>
-              <a:t>9/8/16</a:t>
+            <a:fld id="{8259F38B-9DD5-8140-BCB2-E6B250643AA0}" type="datetimeFigureOut">
+              <a:rPr lang="en-US" smtClean="0"/>
+              <a:t>9/12/16</a:t>
             </a:fld>
             <a:endParaRPr lang="en-US"/>
           </a:p>
@@ -2299,7 +2299,7 @@
           <a:bodyPr/>
           <a:lstStyle/>
           <a:p>
-            <a:fld id="{FD03CC02-5FC7-1C4F-9B03-072087BF09B3}" type="slidenum">
+            <a:fld id="{F4C6EDDD-C175-9546-8EDA-743763FBD633}" type="slidenum">
               <a:rPr lang="en-US" smtClean="0"/>
               <a:t>‹#›</a:t>
             </a:fld>
@@ -2310,7 +2310,7 @@
     </p:spTree>
     <p:extLst>
       <p:ext uri="{BB962C8B-B14F-4D97-AF65-F5344CB8AC3E}">
-        <p14:creationId xmlns:p14="http://schemas.microsoft.com/office/powerpoint/2010/main" val="803367570"/>
+        <p14:creationId xmlns:p14="http://schemas.microsoft.com/office/powerpoint/2010/main" val="1556147101"/>
       </p:ext>
     </p:extLst>
   </p:cSld>
@@ -2349,8 +2349,8 @@
         </p:nvSpPr>
         <p:spPr>
           <a:xfrm>
-            <a:off x="537687" y="985679"/>
-            <a:ext cx="1645920" cy="116365"/>
+            <a:off x="537686" y="781210"/>
+            <a:ext cx="1645920" cy="92226"/>
           </a:xfrm>
         </p:spPr>
         <p:txBody>
@@ -2381,8 +2381,8 @@
         </p:nvSpPr>
         <p:spPr>
           <a:xfrm>
-            <a:off x="537687" y="125818"/>
-            <a:ext cx="1645920" cy="844868"/>
+            <a:off x="537686" y="99719"/>
+            <a:ext cx="1645920" cy="669608"/>
           </a:xfrm>
         </p:spPr>
         <p:txBody>
@@ -2392,35 +2392,35 @@
               <a:buNone/>
               <a:defRPr sz="800"/>
             </a:lvl1pPr>
-            <a:lvl2pPr marL="119146" indent="0">
+            <a:lvl2pPr marL="109957" indent="0">
               <a:buNone/>
               <a:defRPr sz="700"/>
             </a:lvl2pPr>
-            <a:lvl3pPr marL="238293" indent="0">
+            <a:lvl3pPr marL="219913" indent="0">
               <a:buNone/>
               <a:defRPr sz="600"/>
             </a:lvl3pPr>
-            <a:lvl4pPr marL="357439" indent="0">
+            <a:lvl4pPr marL="329870" indent="0">
               <a:buNone/>
               <a:defRPr sz="500"/>
             </a:lvl4pPr>
-            <a:lvl5pPr marL="476585" indent="0">
+            <a:lvl5pPr marL="439826" indent="0">
               <a:buNone/>
               <a:defRPr sz="500"/>
             </a:lvl5pPr>
-            <a:lvl6pPr marL="595732" indent="0">
+            <a:lvl6pPr marL="549783" indent="0">
               <a:buNone/>
               <a:defRPr sz="500"/>
             </a:lvl6pPr>
-            <a:lvl7pPr marL="714878" indent="0">
+            <a:lvl7pPr marL="659740" indent="0">
               <a:buNone/>
               <a:defRPr sz="500"/>
             </a:lvl7pPr>
-            <a:lvl8pPr marL="834024" indent="0">
+            <a:lvl8pPr marL="769696" indent="0">
               <a:buNone/>
               <a:defRPr sz="500"/>
             </a:lvl8pPr>
-            <a:lvl9pPr marL="953171" indent="0">
+            <a:lvl9pPr marL="879653" indent="0">
               <a:buNone/>
               <a:defRPr sz="500"/>
             </a:lvl9pPr>
@@ -2442,8 +2442,8 @@
         </p:nvSpPr>
         <p:spPr>
           <a:xfrm>
-            <a:off x="537687" y="1102045"/>
-            <a:ext cx="1645920" cy="165257"/>
+            <a:off x="537686" y="873435"/>
+            <a:ext cx="1645920" cy="130977"/>
           </a:xfrm>
         </p:spPr>
         <p:txBody>
@@ -2451,37 +2451,37 @@
           <a:lstStyle>
             <a:lvl1pPr marL="0" indent="0">
               <a:buNone/>
-              <a:defRPr sz="400"/>
+              <a:defRPr sz="300"/>
             </a:lvl1pPr>
-            <a:lvl2pPr marL="119146" indent="0">
+            <a:lvl2pPr marL="109957" indent="0">
               <a:buNone/>
               <a:defRPr sz="300"/>
             </a:lvl2pPr>
-            <a:lvl3pPr marL="238293" indent="0">
-              <a:buNone/>
-              <a:defRPr sz="300"/>
+            <a:lvl3pPr marL="219913" indent="0">
+              <a:buNone/>
+              <a:defRPr sz="200"/>
             </a:lvl3pPr>
-            <a:lvl4pPr marL="357439" indent="0">
+            <a:lvl4pPr marL="329870" indent="0">
               <a:buNone/>
               <a:defRPr sz="200"/>
             </a:lvl4pPr>
-            <a:lvl5pPr marL="476585" indent="0">
+            <a:lvl5pPr marL="439826" indent="0">
               <a:buNone/>
               <a:defRPr sz="200"/>
             </a:lvl5pPr>
-            <a:lvl6pPr marL="595732" indent="0">
+            <a:lvl6pPr marL="549783" indent="0">
               <a:buNone/>
               <a:defRPr sz="200"/>
             </a:lvl6pPr>
-            <a:lvl7pPr marL="714878" indent="0">
+            <a:lvl7pPr marL="659740" indent="0">
               <a:buNone/>
               <a:defRPr sz="200"/>
             </a:lvl7pPr>
-            <a:lvl8pPr marL="834024" indent="0">
+            <a:lvl8pPr marL="769696" indent="0">
               <a:buNone/>
               <a:defRPr sz="200"/>
             </a:lvl8pPr>
-            <a:lvl9pPr marL="953171" indent="0">
+            <a:lvl9pPr marL="879653" indent="0">
               <a:buNone/>
               <a:defRPr sz="200"/>
             </a:lvl9pPr>
@@ -2510,9 +2510,9 @@
           <a:bodyPr/>
           <a:lstStyle/>
           <a:p>
-            <a:fld id="{3B382080-722C-EB46-A727-4E811C713391}" type="datetimeFigureOut">
-              <a:rPr lang="en-US" smtClean="0"/>
-              <a:t>9/8/16</a:t>
+            <a:fld id="{8259F38B-9DD5-8140-BCB2-E6B250643AA0}" type="datetimeFigureOut">
+              <a:rPr lang="en-US" smtClean="0"/>
+              <a:t>9/12/16</a:t>
             </a:fld>
             <a:endParaRPr lang="en-US"/>
           </a:p>
@@ -2552,7 +2552,7 @@
           <a:bodyPr/>
           <a:lstStyle/>
           <a:p>
-            <a:fld id="{FD03CC02-5FC7-1C4F-9B03-072087BF09B3}" type="slidenum">
+            <a:fld id="{F4C6EDDD-C175-9546-8EDA-743763FBD633}" type="slidenum">
               <a:rPr lang="en-US" smtClean="0"/>
               <a:t>‹#›</a:t>
             </a:fld>
@@ -2563,7 +2563,7 @@
     </p:spTree>
     <p:extLst>
       <p:ext uri="{BB962C8B-B14F-4D97-AF65-F5344CB8AC3E}">
-        <p14:creationId xmlns:p14="http://schemas.microsoft.com/office/powerpoint/2010/main" val="2446178106"/>
+        <p14:creationId xmlns:p14="http://schemas.microsoft.com/office/powerpoint/2010/main" val="3785463841"/>
       </p:ext>
     </p:extLst>
   </p:cSld>
@@ -2607,15 +2607,15 @@
         </p:nvSpPr>
         <p:spPr>
           <a:xfrm>
-            <a:off x="137161" y="56390"/>
-            <a:ext cx="2468881" cy="234686"/>
+            <a:off x="137160" y="44693"/>
+            <a:ext cx="2468880" cy="186003"/>
           </a:xfrm>
           <a:prstGeom prst="rect">
             <a:avLst/>
           </a:prstGeom>
         </p:spPr>
         <p:txBody>
-          <a:bodyPr vert="horz" lIns="23829" tIns="11915" rIns="23829" bIns="11915" rtlCol="0" anchor="ctr">
+          <a:bodyPr vert="horz" lIns="21991" tIns="10996" rIns="21991" bIns="10996" rtlCol="0" anchor="ctr">
             <a:normAutofit/>
           </a:bodyPr>
           <a:lstStyle/>
@@ -2640,15 +2640,15 @@
         </p:nvSpPr>
         <p:spPr>
           <a:xfrm>
-            <a:off x="137161" y="328560"/>
-            <a:ext cx="2468881" cy="929290"/>
+            <a:off x="137160" y="260404"/>
+            <a:ext cx="2468880" cy="736517"/>
           </a:xfrm>
           <a:prstGeom prst="rect">
             <a:avLst/>
           </a:prstGeom>
         </p:spPr>
         <p:txBody>
-          <a:bodyPr vert="horz" lIns="23829" tIns="11915" rIns="23829" bIns="11915" rtlCol="0">
+          <a:bodyPr vert="horz" lIns="21991" tIns="10996" rIns="21991" bIns="10996" rtlCol="0">
             <a:normAutofit/>
           </a:bodyPr>
           <a:lstStyle/>
@@ -2702,15 +2702,15 @@
         </p:nvSpPr>
         <p:spPr>
           <a:xfrm>
-            <a:off x="137161" y="1305113"/>
-            <a:ext cx="640081" cy="74969"/>
+            <a:off x="137160" y="1034379"/>
+            <a:ext cx="640080" cy="59417"/>
           </a:xfrm>
           <a:prstGeom prst="rect">
             <a:avLst/>
           </a:prstGeom>
         </p:spPr>
         <p:txBody>
-          <a:bodyPr vert="horz" lIns="23829" tIns="11915" rIns="23829" bIns="11915" rtlCol="0" anchor="ctr"/>
+          <a:bodyPr vert="horz" lIns="21991" tIns="10996" rIns="21991" bIns="10996" rtlCol="0" anchor="ctr"/>
           <a:lstStyle>
             <a:lvl1pPr algn="l">
               <a:defRPr sz="300">
@@ -2723,9 +2723,9 @@
             </a:lvl1pPr>
           </a:lstStyle>
           <a:p>
-            <a:fld id="{3B382080-722C-EB46-A727-4E811C713391}" type="datetimeFigureOut">
-              <a:rPr lang="en-US" smtClean="0"/>
-              <a:t>9/8/16</a:t>
+            <a:fld id="{8259F38B-9DD5-8140-BCB2-E6B250643AA0}" type="datetimeFigureOut">
+              <a:rPr lang="en-US" smtClean="0"/>
+              <a:t>9/12/16</a:t>
             </a:fld>
             <a:endParaRPr lang="en-US"/>
           </a:p>
@@ -2743,15 +2743,15 @@
         </p:nvSpPr>
         <p:spPr>
           <a:xfrm>
-            <a:off x="937261" y="1305113"/>
-            <a:ext cx="868680" cy="74969"/>
+            <a:off x="937260" y="1034379"/>
+            <a:ext cx="868680" cy="59417"/>
           </a:xfrm>
           <a:prstGeom prst="rect">
             <a:avLst/>
           </a:prstGeom>
         </p:spPr>
         <p:txBody>
-          <a:bodyPr vert="horz" lIns="23829" tIns="11915" rIns="23829" bIns="11915" rtlCol="0" anchor="ctr"/>
+          <a:bodyPr vert="horz" lIns="21991" tIns="10996" rIns="21991" bIns="10996" rtlCol="0" anchor="ctr"/>
           <a:lstStyle>
             <a:lvl1pPr algn="ctr">
               <a:defRPr sz="300">
@@ -2780,15 +2780,15 @@
         </p:nvSpPr>
         <p:spPr>
           <a:xfrm>
-            <a:off x="1965961" y="1305113"/>
-            <a:ext cx="640081" cy="74969"/>
+            <a:off x="1965960" y="1034379"/>
+            <a:ext cx="640080" cy="59417"/>
           </a:xfrm>
           <a:prstGeom prst="rect">
             <a:avLst/>
           </a:prstGeom>
         </p:spPr>
         <p:txBody>
-          <a:bodyPr vert="horz" lIns="23829" tIns="11915" rIns="23829" bIns="11915" rtlCol="0" anchor="ctr"/>
+          <a:bodyPr vert="horz" lIns="21991" tIns="10996" rIns="21991" bIns="10996" rtlCol="0" anchor="ctr"/>
           <a:lstStyle>
             <a:lvl1pPr algn="r">
               <a:defRPr sz="300">
@@ -2801,7 +2801,7 @@
             </a:lvl1pPr>
           </a:lstStyle>
           <a:p>
-            <a:fld id="{FD03CC02-5FC7-1C4F-9B03-072087BF09B3}" type="slidenum">
+            <a:fld id="{F4C6EDDD-C175-9546-8EDA-743763FBD633}" type="slidenum">
               <a:rPr lang="en-US" smtClean="0"/>
               <a:t>‹#›</a:t>
             </a:fld>
@@ -2812,7 +2812,7 @@
     </p:spTree>
     <p:extLst>
       <p:ext uri="{BB962C8B-B14F-4D97-AF65-F5344CB8AC3E}">
-        <p14:creationId xmlns:p14="http://schemas.microsoft.com/office/powerpoint/2010/main" val="3602722210"/>
+        <p14:creationId xmlns:p14="http://schemas.microsoft.com/office/powerpoint/2010/main" val="3602864003"/>
       </p:ext>
     </p:extLst>
   </p:cSld>
@@ -2832,7 +2832,7 @@
   </p:sldLayoutIdLst>
   <p:txStyles>
     <p:titleStyle>
-      <a:lvl1pPr algn="ctr" defTabSz="119146" rtl="0" eaLnBrk="1" latinLnBrk="0" hangingPunct="1">
+      <a:lvl1pPr algn="ctr" defTabSz="109957" rtl="0" eaLnBrk="1" latinLnBrk="0" hangingPunct="1">
         <a:spcBef>
           <a:spcPct val="0"/>
         </a:spcBef>
@@ -2848,7 +2848,7 @@
       </a:lvl1pPr>
     </p:titleStyle>
     <p:bodyStyle>
-      <a:lvl1pPr marL="89360" indent="-89360" algn="l" defTabSz="119146" rtl="0" eaLnBrk="1" latinLnBrk="0" hangingPunct="1">
+      <a:lvl1pPr marL="82467" indent="-82467" algn="l" defTabSz="109957" rtl="0" eaLnBrk="1" latinLnBrk="0" hangingPunct="1">
         <a:spcBef>
           <a:spcPct val="20000"/>
         </a:spcBef>
@@ -2863,7 +2863,7 @@
           <a:cs typeface="+mn-cs"/>
         </a:defRPr>
       </a:lvl1pPr>
-      <a:lvl2pPr marL="193613" indent="-74466" algn="l" defTabSz="119146" rtl="0" eaLnBrk="1" latinLnBrk="0" hangingPunct="1">
+      <a:lvl2pPr marL="178679" indent="-68723" algn="l" defTabSz="109957" rtl="0" eaLnBrk="1" latinLnBrk="0" hangingPunct="1">
         <a:spcBef>
           <a:spcPct val="20000"/>
         </a:spcBef>
@@ -2878,7 +2878,7 @@
           <a:cs typeface="+mn-cs"/>
         </a:defRPr>
       </a:lvl2pPr>
-      <a:lvl3pPr marL="297866" indent="-59573" algn="l" defTabSz="119146" rtl="0" eaLnBrk="1" latinLnBrk="0" hangingPunct="1">
+      <a:lvl3pPr marL="274892" indent="-54978" algn="l" defTabSz="109957" rtl="0" eaLnBrk="1" latinLnBrk="0" hangingPunct="1">
         <a:spcBef>
           <a:spcPct val="20000"/>
         </a:spcBef>
@@ -2893,7 +2893,7 @@
           <a:cs typeface="+mn-cs"/>
         </a:defRPr>
       </a:lvl3pPr>
-      <a:lvl4pPr marL="417012" indent="-59573" algn="l" defTabSz="119146" rtl="0" eaLnBrk="1" latinLnBrk="0" hangingPunct="1">
+      <a:lvl4pPr marL="384848" indent="-54978" algn="l" defTabSz="109957" rtl="0" eaLnBrk="1" latinLnBrk="0" hangingPunct="1">
         <a:spcBef>
           <a:spcPct val="20000"/>
         </a:spcBef>
@@ -2908,7 +2908,7 @@
           <a:cs typeface="+mn-cs"/>
         </a:defRPr>
       </a:lvl4pPr>
-      <a:lvl5pPr marL="536158" indent="-59573" algn="l" defTabSz="119146" rtl="0" eaLnBrk="1" latinLnBrk="0" hangingPunct="1">
+      <a:lvl5pPr marL="494805" indent="-54978" algn="l" defTabSz="109957" rtl="0" eaLnBrk="1" latinLnBrk="0" hangingPunct="1">
         <a:spcBef>
           <a:spcPct val="20000"/>
         </a:spcBef>
@@ -2923,7 +2923,7 @@
           <a:cs typeface="+mn-cs"/>
         </a:defRPr>
       </a:lvl5pPr>
-      <a:lvl6pPr marL="655305" indent="-59573" algn="l" defTabSz="119146" rtl="0" eaLnBrk="1" latinLnBrk="0" hangingPunct="1">
+      <a:lvl6pPr marL="604761" indent="-54978" algn="l" defTabSz="109957" rtl="0" eaLnBrk="1" latinLnBrk="0" hangingPunct="1">
         <a:spcBef>
           <a:spcPct val="20000"/>
         </a:spcBef>
@@ -2938,7 +2938,7 @@
           <a:cs typeface="+mn-cs"/>
         </a:defRPr>
       </a:lvl6pPr>
-      <a:lvl7pPr marL="774451" indent="-59573" algn="l" defTabSz="119146" rtl="0" eaLnBrk="1" latinLnBrk="0" hangingPunct="1">
+      <a:lvl7pPr marL="714718" indent="-54978" algn="l" defTabSz="109957" rtl="0" eaLnBrk="1" latinLnBrk="0" hangingPunct="1">
         <a:spcBef>
           <a:spcPct val="20000"/>
         </a:spcBef>
@@ -2953,7 +2953,7 @@
           <a:cs typeface="+mn-cs"/>
         </a:defRPr>
       </a:lvl7pPr>
-      <a:lvl8pPr marL="893597" indent="-59573" algn="l" defTabSz="119146" rtl="0" eaLnBrk="1" latinLnBrk="0" hangingPunct="1">
+      <a:lvl8pPr marL="824675" indent="-54978" algn="l" defTabSz="109957" rtl="0" eaLnBrk="1" latinLnBrk="0" hangingPunct="1">
         <a:spcBef>
           <a:spcPct val="20000"/>
         </a:spcBef>
@@ -2968,7 +2968,7 @@
           <a:cs typeface="+mn-cs"/>
         </a:defRPr>
       </a:lvl8pPr>
-      <a:lvl9pPr marL="1012744" indent="-59573" algn="l" defTabSz="119146" rtl="0" eaLnBrk="1" latinLnBrk="0" hangingPunct="1">
+      <a:lvl9pPr marL="934631" indent="-54978" algn="l" defTabSz="109957" rtl="0" eaLnBrk="1" latinLnBrk="0" hangingPunct="1">
         <a:spcBef>
           <a:spcPct val="20000"/>
         </a:spcBef>
@@ -2988,8 +2988,8 @@
       <a:defPPr>
         <a:defRPr lang="en-US"/>
       </a:defPPr>
-      <a:lvl1pPr marL="0" algn="l" defTabSz="119146" rtl="0" eaLnBrk="1" latinLnBrk="0" hangingPunct="1">
-        <a:defRPr sz="500" kern="1200">
+      <a:lvl1pPr marL="0" algn="l" defTabSz="109957" rtl="0" eaLnBrk="1" latinLnBrk="0" hangingPunct="1">
+        <a:defRPr sz="400" kern="1200">
           <a:solidFill>
             <a:schemeClr val="tx1"/>
           </a:solidFill>
@@ -2998,8 +2998,8 @@
           <a:cs typeface="+mn-cs"/>
         </a:defRPr>
       </a:lvl1pPr>
-      <a:lvl2pPr marL="119146" algn="l" defTabSz="119146" rtl="0" eaLnBrk="1" latinLnBrk="0" hangingPunct="1">
-        <a:defRPr sz="500" kern="1200">
+      <a:lvl2pPr marL="109957" algn="l" defTabSz="109957" rtl="0" eaLnBrk="1" latinLnBrk="0" hangingPunct="1">
+        <a:defRPr sz="400" kern="1200">
           <a:solidFill>
             <a:schemeClr val="tx1"/>
           </a:solidFill>
@@ -3008,8 +3008,8 @@
           <a:cs typeface="+mn-cs"/>
         </a:defRPr>
       </a:lvl2pPr>
-      <a:lvl3pPr marL="238293" algn="l" defTabSz="119146" rtl="0" eaLnBrk="1" latinLnBrk="0" hangingPunct="1">
-        <a:defRPr sz="500" kern="1200">
+      <a:lvl3pPr marL="219913" algn="l" defTabSz="109957" rtl="0" eaLnBrk="1" latinLnBrk="0" hangingPunct="1">
+        <a:defRPr sz="400" kern="1200">
           <a:solidFill>
             <a:schemeClr val="tx1"/>
           </a:solidFill>
@@ -3018,8 +3018,8 @@
           <a:cs typeface="+mn-cs"/>
         </a:defRPr>
       </a:lvl3pPr>
-      <a:lvl4pPr marL="357439" algn="l" defTabSz="119146" rtl="0" eaLnBrk="1" latinLnBrk="0" hangingPunct="1">
-        <a:defRPr sz="500" kern="1200">
+      <a:lvl4pPr marL="329870" algn="l" defTabSz="109957" rtl="0" eaLnBrk="1" latinLnBrk="0" hangingPunct="1">
+        <a:defRPr sz="400" kern="1200">
           <a:solidFill>
             <a:schemeClr val="tx1"/>
           </a:solidFill>
@@ -3028,8 +3028,8 @@
           <a:cs typeface="+mn-cs"/>
         </a:defRPr>
       </a:lvl4pPr>
-      <a:lvl5pPr marL="476585" algn="l" defTabSz="119146" rtl="0" eaLnBrk="1" latinLnBrk="0" hangingPunct="1">
-        <a:defRPr sz="500" kern="1200">
+      <a:lvl5pPr marL="439826" algn="l" defTabSz="109957" rtl="0" eaLnBrk="1" latinLnBrk="0" hangingPunct="1">
+        <a:defRPr sz="400" kern="1200">
           <a:solidFill>
             <a:schemeClr val="tx1"/>
           </a:solidFill>
@@ -3038,8 +3038,8 @@
           <a:cs typeface="+mn-cs"/>
         </a:defRPr>
       </a:lvl5pPr>
-      <a:lvl6pPr marL="595732" algn="l" defTabSz="119146" rtl="0" eaLnBrk="1" latinLnBrk="0" hangingPunct="1">
-        <a:defRPr sz="500" kern="1200">
+      <a:lvl6pPr marL="549783" algn="l" defTabSz="109957" rtl="0" eaLnBrk="1" latinLnBrk="0" hangingPunct="1">
+        <a:defRPr sz="400" kern="1200">
           <a:solidFill>
             <a:schemeClr val="tx1"/>
           </a:solidFill>
@@ -3048,8 +3048,8 @@
           <a:cs typeface="+mn-cs"/>
         </a:defRPr>
       </a:lvl6pPr>
-      <a:lvl7pPr marL="714878" algn="l" defTabSz="119146" rtl="0" eaLnBrk="1" latinLnBrk="0" hangingPunct="1">
-        <a:defRPr sz="500" kern="1200">
+      <a:lvl7pPr marL="659740" algn="l" defTabSz="109957" rtl="0" eaLnBrk="1" latinLnBrk="0" hangingPunct="1">
+        <a:defRPr sz="400" kern="1200">
           <a:solidFill>
             <a:schemeClr val="tx1"/>
           </a:solidFill>
@@ -3058,8 +3058,8 @@
           <a:cs typeface="+mn-cs"/>
         </a:defRPr>
       </a:lvl7pPr>
-      <a:lvl8pPr marL="834024" algn="l" defTabSz="119146" rtl="0" eaLnBrk="1" latinLnBrk="0" hangingPunct="1">
-        <a:defRPr sz="500" kern="1200">
+      <a:lvl8pPr marL="769696" algn="l" defTabSz="109957" rtl="0" eaLnBrk="1" latinLnBrk="0" hangingPunct="1">
+        <a:defRPr sz="400" kern="1200">
           <a:solidFill>
             <a:schemeClr val="tx1"/>
           </a:solidFill>
@@ -3068,8 +3068,8 @@
           <a:cs typeface="+mn-cs"/>
         </a:defRPr>
       </a:lvl8pPr>
-      <a:lvl9pPr marL="953171" algn="l" defTabSz="119146" rtl="0" eaLnBrk="1" latinLnBrk="0" hangingPunct="1">
-        <a:defRPr sz="500" kern="1200">
+      <a:lvl9pPr marL="879653" algn="l" defTabSz="109957" rtl="0" eaLnBrk="1" latinLnBrk="0" hangingPunct="1">
+        <a:defRPr sz="400" kern="1200">
           <a:solidFill>
             <a:schemeClr val="tx1"/>
           </a:solidFill>
@@ -3108,7 +3108,7 @@
         </p:nvSpPr>
         <p:spPr>
           <a:xfrm>
-            <a:off x="1088448" y="63639"/>
+            <a:off x="1241615" y="20761"/>
             <a:ext cx="586728" cy="294243"/>
           </a:xfrm>
           <a:prstGeom prst="rect">
@@ -3153,7 +3153,7 @@
         </p:nvSpPr>
         <p:spPr>
           <a:xfrm>
-            <a:off x="1037647" y="54254"/>
+            <a:off x="1190814" y="11376"/>
             <a:ext cx="683596" cy="307777"/>
           </a:xfrm>
           <a:prstGeom prst="rect">
@@ -3189,7 +3189,7 @@
         </p:nvSpPr>
         <p:spPr>
           <a:xfrm>
-            <a:off x="13348" y="1034577"/>
+            <a:off x="-27927" y="786927"/>
             <a:ext cx="1160263" cy="307777"/>
           </a:xfrm>
           <a:prstGeom prst="rect">
@@ -3225,7 +3225,7 @@
         </p:nvSpPr>
         <p:spPr>
           <a:xfrm>
-            <a:off x="64147" y="1048111"/>
+            <a:off x="22872" y="800461"/>
             <a:ext cx="1050278" cy="294243"/>
           </a:xfrm>
           <a:prstGeom prst="rect">
@@ -3270,8 +3270,8 @@
         </p:nvSpPr>
         <p:spPr>
           <a:xfrm>
-            <a:off x="1911010" y="636055"/>
-            <a:ext cx="851241" cy="738664"/>
+            <a:off x="1876588" y="584185"/>
+            <a:ext cx="975065" cy="523220"/>
           </a:xfrm>
           <a:prstGeom prst="rect">
             <a:avLst/>
@@ -3298,7 +3298,7 @@
                 <a:latin typeface="Optima"/>
                 <a:cs typeface="Optima"/>
               </a:rPr>
-              <a:t>reward function</a:t>
+              <a:t>Q-values</a:t>
             </a:r>
             <a:endParaRPr lang="en-US" sz="1400" dirty="0">
               <a:latin typeface="Optima"/>
@@ -3315,8 +3315,8 @@
         </p:nvSpPr>
         <p:spPr>
           <a:xfrm>
-            <a:off x="1955800" y="636056"/>
-            <a:ext cx="722912" cy="705625"/>
+            <a:off x="1913931" y="606425"/>
+            <a:ext cx="809231" cy="487606"/>
           </a:xfrm>
           <a:prstGeom prst="rect">
             <a:avLst/>
@@ -3360,7 +3360,7 @@
         </p:nvCxnSpPr>
         <p:spPr>
           <a:xfrm flipV="1">
-            <a:off x="1118735" y="1137722"/>
+            <a:off x="1080635" y="880547"/>
             <a:ext cx="832104" cy="2104"/>
           </a:xfrm>
           <a:prstGeom prst="straightConnector1">
@@ -3397,7 +3397,7 @@
         </p:nvCxnSpPr>
         <p:spPr>
           <a:xfrm flipH="1" flipV="1">
-            <a:off x="1119927" y="1261547"/>
+            <a:off x="1078652" y="1004372"/>
             <a:ext cx="832104" cy="2104"/>
           </a:xfrm>
           <a:prstGeom prst="straightConnector1">
@@ -3434,8 +3434,8 @@
         </p:nvSpPr>
         <p:spPr>
           <a:xfrm>
-            <a:off x="1195499" y="969903"/>
-            <a:ext cx="395595" cy="215444"/>
+            <a:off x="1065324" y="712728"/>
+            <a:ext cx="792214" cy="215444"/>
           </a:xfrm>
           <a:prstGeom prst="rect">
             <a:avLst/>
@@ -3449,11 +3449,11 @@
           <a:lstStyle/>
           <a:p>
             <a:r>
-              <a:rPr lang="en-US" sz="800" dirty="0" smtClean="0">
+              <a:rPr lang="en-US" sz="800" dirty="0" err="1" smtClean="0">
                 <a:latin typeface="Optima"/>
                 <a:cs typeface="Optima"/>
               </a:rPr>
-              <a:t>State</a:t>
+              <a:t>State+Reward</a:t>
             </a:r>
             <a:endParaRPr lang="en-US" sz="800" dirty="0">
               <a:latin typeface="Optima"/>
@@ -3470,7 +3470,7 @@
         </p:nvSpPr>
         <p:spPr>
           <a:xfrm>
-            <a:off x="1182254" y="1210747"/>
+            <a:off x="1198129" y="953572"/>
             <a:ext cx="475514" cy="215444"/>
           </a:xfrm>
           <a:prstGeom prst="rect">
@@ -3506,8 +3506,8 @@
         </p:nvCxnSpPr>
         <p:spPr>
           <a:xfrm flipH="1" flipV="1">
-            <a:off x="1423686" y="363983"/>
-            <a:ext cx="1" cy="612648"/>
+            <a:off x="1464961" y="321354"/>
+            <a:ext cx="1" cy="380406"/>
           </a:xfrm>
           <a:prstGeom prst="straightConnector1">
             <a:avLst/>
@@ -3543,8 +3543,8 @@
         </p:nvCxnSpPr>
         <p:spPr>
           <a:xfrm rot="2700000" flipV="1">
-            <a:off x="1601874" y="445237"/>
-            <a:ext cx="516671" cy="2104"/>
+            <a:off x="1718401" y="328702"/>
+            <a:ext cx="768096" cy="2104"/>
           </a:xfrm>
           <a:prstGeom prst="straightConnector1">
             <a:avLst/>
@@ -3579,9 +3579,9 @@
           <p:nvPr/>
         </p:nvCxnSpPr>
         <p:spPr>
-          <a:xfrm rot="2700000" flipH="1" flipV="1">
-            <a:off x="1510559" y="550312"/>
-            <a:ext cx="516671" cy="2104"/>
+          <a:xfrm flipH="1" flipV="1">
+            <a:off x="1834693" y="221826"/>
+            <a:ext cx="365340" cy="378249"/>
           </a:xfrm>
           <a:prstGeom prst="straightConnector1">
             <a:avLst/>
@@ -3617,8 +3617,8 @@
         </p:nvSpPr>
         <p:spPr>
           <a:xfrm rot="2700000">
-            <a:off x="1695032" y="279188"/>
-            <a:ext cx="395595" cy="215444"/>
+            <a:off x="1715800" y="136313"/>
+            <a:ext cx="792214" cy="215444"/>
           </a:xfrm>
           <a:prstGeom prst="rect">
             <a:avLst/>
@@ -3632,11 +3632,11 @@
           <a:lstStyle/>
           <a:p>
             <a:r>
-              <a:rPr lang="en-US" sz="800" dirty="0" smtClean="0">
+              <a:rPr lang="en-US" sz="800" dirty="0" err="1" smtClean="0">
                 <a:latin typeface="Optima"/>
                 <a:cs typeface="Optima"/>
               </a:rPr>
-              <a:t>State</a:t>
+              <a:t>State+Reward</a:t>
             </a:r>
             <a:endParaRPr lang="en-US" sz="800" dirty="0">
               <a:latin typeface="Optima"/>
@@ -3653,7 +3653,7 @@
         </p:nvSpPr>
         <p:spPr>
           <a:xfrm rot="2700000">
-            <a:off x="1521610" y="505131"/>
+            <a:off x="1756560" y="355906"/>
             <a:ext cx="475514" cy="215444"/>
           </a:xfrm>
           <a:prstGeom prst="rect">
@@ -3689,8 +3689,8 @@
         </p:nvSpPr>
         <p:spPr>
           <a:xfrm rot="5400000">
-            <a:off x="1385093" y="821060"/>
-            <a:ext cx="76202" cy="334961"/>
+            <a:off x="1426366" y="427362"/>
+            <a:ext cx="76206" cy="620711"/>
           </a:xfrm>
           <a:prstGeom prst="leftBrace">
             <a:avLst/>
@@ -3728,13 +3728,20 @@
     </p:spTree>
     <p:extLst>
       <p:ext uri="{BB962C8B-B14F-4D97-AF65-F5344CB8AC3E}">
-        <p14:creationId xmlns:p14="http://schemas.microsoft.com/office/powerpoint/2010/main" val="3483767236"/>
+        <p14:creationId xmlns:p14="http://schemas.microsoft.com/office/powerpoint/2010/main" val="2009837303"/>
       </p:ext>
     </p:extLst>
   </p:cSld>
   <p:clrMapOvr>
     <a:masterClrMapping/>
   </p:clrMapOvr>
+  <p:timing>
+    <p:tnLst>
+      <p:par>
+        <p:cTn xmlns:p14="http://schemas.microsoft.com/office/powerpoint/2010/main" id="1" dur="indefinite" restart="never" nodeType="tmRoot"/>
+      </p:par>
+    </p:tnLst>
+  </p:timing>
 </p:sld>
 </file>
 
